--- a/SE499/Lectures/3/Features.pptx
+++ b/SE499/Lectures/3/Features.pptx
@@ -242,7 +242,7 @@
           <a:p>
             <a:fld id="{41DA9887-9249-49FD-809A-BACB264048C3}" type="datetimeFigureOut">
               <a:rPr lang="en-US" smtClean="0"/>
-              <a:t>8/31/2023</a:t>
+              <a:t>9/13/2023</a:t>
             </a:fld>
             <a:endParaRPr lang="en-US"/>
           </a:p>
@@ -644,7 +644,7 @@
           <a:p>
             <a:fld id="{EF213E56-3C1A-435A-851B-5B1F221C2038}" type="datetime1">
               <a:rPr lang="en-US" smtClean="0"/>
-              <a:t>8/31/2023</a:t>
+              <a:t>9/13/2023</a:t>
             </a:fld>
             <a:endParaRPr lang="en-US"/>
           </a:p>
@@ -923,7 +923,7 @@
           <a:p>
             <a:fld id="{B4696837-4851-4AA6-8AED-554226C981D1}" type="datetime1">
               <a:rPr lang="en-US" smtClean="0"/>
-              <a:t>8/31/2023</a:t>
+              <a:t>9/13/2023</a:t>
             </a:fld>
             <a:endParaRPr lang="en-US"/>
           </a:p>
@@ -1101,7 +1101,7 @@
           <a:p>
             <a:fld id="{BADD32E1-BB70-4827-BA33-FF5AFC435BE9}" type="datetime1">
               <a:rPr lang="en-US" smtClean="0"/>
-              <a:t>8/31/2023</a:t>
+              <a:t>9/13/2023</a:t>
             </a:fld>
             <a:endParaRPr lang="en-US"/>
           </a:p>
@@ -1347,7 +1347,7 @@
             </a:pPr>
             <a:fld id="{40B9EAF6-54F2-4DF5-9C6B-3F6F95B86356}" type="datetime1">
               <a:rPr lang="en-US" smtClean="0"/>
-              <a:t>8/31/2023</a:t>
+              <a:t>9/13/2023</a:t>
             </a:fld>
             <a:endParaRPr lang="en-US"/>
           </a:p>
@@ -1528,7 +1528,7 @@
             </a:pPr>
             <a:fld id="{D3D64A56-6FF4-479A-8655-719A18A98C4B}" type="datetime1">
               <a:rPr lang="en-US" smtClean="0"/>
-              <a:t>8/31/2023</a:t>
+              <a:t>9/13/2023</a:t>
             </a:fld>
             <a:endParaRPr lang="en-US"/>
           </a:p>
@@ -1806,7 +1806,7 @@
           <a:p>
             <a:fld id="{BB961044-FC46-4CBC-9061-59528F4899F3}" type="datetime1">
               <a:rPr lang="en-US" smtClean="0"/>
-              <a:t>8/31/2023</a:t>
+              <a:t>9/13/2023</a:t>
             </a:fld>
             <a:endParaRPr lang="en-US"/>
           </a:p>
@@ -2150,7 +2150,7 @@
           <a:p>
             <a:fld id="{4466A08C-77F3-471E-A5C4-1D2068144BAC}" type="datetime1">
               <a:rPr lang="en-US" smtClean="0"/>
-              <a:t>8/31/2023</a:t>
+              <a:t>9/13/2023</a:t>
             </a:fld>
             <a:endParaRPr lang="en-US"/>
           </a:p>
@@ -2379,7 +2379,7 @@
           <a:p>
             <a:fld id="{B90A7AD1-16F4-44C3-AE32-24C59A599E9D}" type="datetime1">
               <a:rPr lang="en-US" smtClean="0"/>
-              <a:t>8/31/2023</a:t>
+              <a:t>9/13/2023</a:t>
             </a:fld>
             <a:endParaRPr lang="en-US"/>
           </a:p>
@@ -2743,7 +2743,7 @@
           <a:p>
             <a:fld id="{B583DB4F-4316-4DF5-A229-BC1D787C82A0}" type="datetime1">
               <a:rPr lang="en-US" smtClean="0"/>
-              <a:t>8/31/2023</a:t>
+              <a:t>9/13/2023</a:t>
             </a:fld>
             <a:endParaRPr lang="en-US"/>
           </a:p>
@@ -2838,7 +2838,7 @@
           <a:p>
             <a:fld id="{AE6064B7-7A9F-432D-B7B9-6824267AA574}" type="datetime1">
               <a:rPr lang="en-US" smtClean="0"/>
-              <a:t>8/31/2023</a:t>
+              <a:t>9/13/2023</a:t>
             </a:fld>
             <a:endParaRPr lang="en-US"/>
           </a:p>
@@ -3060,7 +3060,7 @@
             <a:fld id="{B2F5E2FA-C428-4CE7-95B0-168D3259A5BB}" type="datetimeFigureOut">
               <a:rPr lang="en-US" smtClean="0"/>
               <a:pPr/>
-              <a:t>8/31/2023</a:t>
+              <a:t>9/13/2023</a:t>
             </a:fld>
             <a:endParaRPr lang="en-US"/>
           </a:p>
@@ -3231,7 +3231,7 @@
           <a:p>
             <a:fld id="{4E1C93A2-B712-486A-8AB5-D41B95D547BE}" type="datetime1">
               <a:rPr lang="en-US" smtClean="0"/>
-              <a:t>8/31/2023</a:t>
+              <a:t>9/13/2023</a:t>
             </a:fld>
             <a:endParaRPr lang="en-US"/>
           </a:p>
@@ -3506,7 +3506,7 @@
           <a:p>
             <a:fld id="{CAB2F318-F19F-4608-B7EF-F7FB8A482213}" type="datetime1">
               <a:rPr lang="en-US" smtClean="0"/>
-              <a:t>8/31/2023</a:t>
+              <a:t>9/13/2023</a:t>
             </a:fld>
             <a:endParaRPr lang="en-US"/>
           </a:p>
@@ -3758,7 +3758,7 @@
           <a:p>
             <a:fld id="{BB9CEF8C-69D6-4C3E-B892-F682F307A7B6}" type="datetime1">
               <a:rPr lang="en-US" smtClean="0"/>
-              <a:t>8/31/2023</a:t>
+              <a:t>9/13/2023</a:t>
             </a:fld>
             <a:endParaRPr lang="en-US"/>
           </a:p>
@@ -3969,7 +3969,7 @@
           <a:p>
             <a:fld id="{FB737C73-4A31-4C17-AFB7-7B8470027787}" type="datetime1">
               <a:rPr lang="en-US" smtClean="0"/>
-              <a:t>8/31/2023</a:t>
+              <a:t>9/13/2023</a:t>
             </a:fld>
             <a:endParaRPr lang="en-US"/>
           </a:p>
@@ -4573,6 +4573,13 @@
   <p:clrMapOvr>
     <a:masterClrMapping/>
   </p:clrMapOvr>
+  <p:timing>
+    <p:tnLst>
+      <p:par>
+        <p:cTn id="1" dur="indefinite" restart="never" nodeType="tmRoot"/>
+      </p:par>
+    </p:tnLst>
+  </p:timing>
 </p:sld>
 </file>
 
@@ -4680,6 +4687,13 @@
   <p:clrMapOvr>
     <a:masterClrMapping/>
   </p:clrMapOvr>
+  <p:timing>
+    <p:tnLst>
+      <p:par>
+        <p:cTn id="1" dur="indefinite" restart="never" nodeType="tmRoot"/>
+      </p:par>
+    </p:tnLst>
+  </p:timing>
 </p:sld>
 </file>
 
@@ -4769,6 +4783,13 @@
   <p:clrMapOvr>
     <a:masterClrMapping/>
   </p:clrMapOvr>
+  <p:timing>
+    <p:tnLst>
+      <p:par>
+        <p:cTn id="1" dur="indefinite" restart="never" nodeType="tmRoot"/>
+      </p:par>
+    </p:tnLst>
+  </p:timing>
 </p:sld>
 </file>
 
@@ -4898,6 +4919,13 @@
   <p:clrMapOvr>
     <a:masterClrMapping/>
   </p:clrMapOvr>
+  <p:timing>
+    <p:tnLst>
+      <p:par>
+        <p:cTn id="1" dur="indefinite" restart="never" nodeType="tmRoot"/>
+      </p:par>
+    </p:tnLst>
+  </p:timing>
 </p:sld>
 </file>
 
@@ -5036,6 +5064,13 @@
   <p:clrMapOvr>
     <a:masterClrMapping/>
   </p:clrMapOvr>
+  <p:timing>
+    <p:tnLst>
+      <p:par>
+        <p:cTn id="1" dur="indefinite" restart="never" nodeType="tmRoot"/>
+      </p:par>
+    </p:tnLst>
+  </p:timing>
 </p:sld>
 </file>
 
@@ -5315,6 +5350,13 @@
   <p:clrMapOvr>
     <a:masterClrMapping/>
   </p:clrMapOvr>
+  <p:timing>
+    <p:tnLst>
+      <p:par>
+        <p:cTn id="1" dur="indefinite" restart="never" nodeType="tmRoot"/>
+      </p:par>
+    </p:tnLst>
+  </p:timing>
 </p:sld>
 </file>
 
@@ -5354,7 +5396,6 @@
               <a:rPr lang="en-US" dirty="0"/>
               <a:t>Software products</a:t>
             </a:r>
-            <a:endParaRPr lang="en-US" dirty="0"/>
           </a:p>
         </p:txBody>
       </p:sp>
@@ -5428,7 +5469,6 @@
               <a:rPr lang="en-US" dirty="0"/>
               <a:t>In the early stage of product development, you are trying to understand, what product features would be useful to users, and what they like and dislike about the products that they use.</a:t>
             </a:r>
-            <a:endParaRPr lang="en-US" dirty="0"/>
           </a:p>
         </p:txBody>
       </p:sp>
@@ -5512,7 +5552,6 @@
               <a:rPr lang="en-US" dirty="0"/>
               <a:t>Software features</a:t>
             </a:r>
-            <a:endParaRPr lang="en-US" dirty="0"/>
           </a:p>
         </p:txBody>
       </p:sp>
@@ -5549,7 +5588,6 @@
               <a:rPr lang="en-US" dirty="0"/>
               <a:t>The feature list should be your starting point for product design and development.</a:t>
             </a:r>
-            <a:endParaRPr lang="en-US" dirty="0"/>
           </a:p>
         </p:txBody>
       </p:sp>
@@ -5685,7 +5723,7 @@
           </a:ln>
           <a:extLst>
             <a:ext uri="{C572A759-6A51-4108-AA02-DFA0A04FC94B}">
-              <ma14:wrappingTextBoxFlag xmlns:ma14="http://schemas.microsoft.com/office/mac/drawingml/2011/main" xmlns:a14="http://schemas.microsoft.com/office/drawing/2010/main" xmlns:m="http://schemas.openxmlformats.org/officeDocument/2006/math" xmlns="" val="1"/>
+              <ma14:wrappingTextBoxFlag xmlns="" xmlns:m="http://schemas.openxmlformats.org/officeDocument/2006/math" xmlns:a14="http://schemas.microsoft.com/office/drawing/2010/main" xmlns:ma14="http://schemas.microsoft.com/office/mac/drawingml/2011/main" val="1"/>
             </a:ext>
           </a:extLst>
         </p:spPr>
@@ -5735,7 +5773,7 @@
           </a:ln>
           <a:extLst>
             <a:ext uri="{C572A759-6A51-4108-AA02-DFA0A04FC94B}">
-              <ma14:wrappingTextBoxFlag xmlns:ma14="http://schemas.microsoft.com/office/mac/drawingml/2011/main" xmlns:a14="http://schemas.microsoft.com/office/drawing/2010/main" xmlns:m="http://schemas.openxmlformats.org/officeDocument/2006/math" xmlns="" val="1"/>
+              <ma14:wrappingTextBoxFlag xmlns="" xmlns:m="http://schemas.openxmlformats.org/officeDocument/2006/math" xmlns:a14="http://schemas.microsoft.com/office/drawing/2010/main" xmlns:ma14="http://schemas.microsoft.com/office/mac/drawingml/2011/main" val="1"/>
             </a:ext>
           </a:extLst>
         </p:spPr>
@@ -5785,7 +5823,7 @@
           </a:ln>
           <a:extLst>
             <a:ext uri="{C572A759-6A51-4108-AA02-DFA0A04FC94B}">
-              <ma14:wrappingTextBoxFlag xmlns:ma14="http://schemas.microsoft.com/office/mac/drawingml/2011/main" xmlns:a14="http://schemas.microsoft.com/office/drawing/2010/main" xmlns:m="http://schemas.openxmlformats.org/officeDocument/2006/math" xmlns="" val="1"/>
+              <ma14:wrappingTextBoxFlag xmlns="" xmlns:m="http://schemas.openxmlformats.org/officeDocument/2006/math" xmlns:a14="http://schemas.microsoft.com/office/drawing/2010/main" xmlns:ma14="http://schemas.microsoft.com/office/mac/drawingml/2011/main" val="1"/>
             </a:ext>
           </a:extLst>
         </p:spPr>
@@ -5835,7 +5873,7 @@
           </a:ln>
           <a:extLst>
             <a:ext uri="{C572A759-6A51-4108-AA02-DFA0A04FC94B}">
-              <ma14:wrappingTextBoxFlag xmlns:ma14="http://schemas.microsoft.com/office/mac/drawingml/2011/main" xmlns:a14="http://schemas.microsoft.com/office/drawing/2010/main" xmlns:m="http://schemas.openxmlformats.org/officeDocument/2006/math" xmlns="" val="1"/>
+              <ma14:wrappingTextBoxFlag xmlns="" xmlns:m="http://schemas.openxmlformats.org/officeDocument/2006/math" xmlns:a14="http://schemas.microsoft.com/office/drawing/2010/main" xmlns:ma14="http://schemas.microsoft.com/office/mac/drawingml/2011/main" val="1"/>
             </a:ext>
           </a:extLst>
         </p:spPr>
@@ -6129,8 +6167,8 @@
         </p:blipFill>
         <p:spPr>
           <a:xfrm>
-            <a:off x="427142" y="-853374"/>
-            <a:ext cx="11092722" cy="8515624"/>
+            <a:off x="925082" y="-294769"/>
+            <a:ext cx="10129199" cy="7775950"/>
           </a:xfrm>
           <a:prstGeom prst="rect">
             <a:avLst/>
@@ -6376,6 +6414,13 @@
   <p:clrMapOvr>
     <a:masterClrMapping/>
   </p:clrMapOvr>
+  <p:timing>
+    <p:tnLst>
+      <p:par>
+        <p:cTn id="1" dur="indefinite" restart="never" nodeType="tmRoot"/>
+      </p:par>
+    </p:tnLst>
+  </p:timing>
 </p:sld>
 </file>
 
